--- a/PowerPointSlides/4.pptx
+++ b/PowerPointSlides/4.pptx
@@ -292,7 +292,7 @@
             <a:fld id="{1D8BD707-D9CF-40AE-B4C6-C98DA3205C09}" type="datetimeFigureOut">
               <a:rPr lang="en-US" smtClean="0"/>
               <a:pPr/>
-              <a:t>7/3/2020</a:t>
+              <a:t>7/4/2020</a:t>
             </a:fld>
             <a:endParaRPr lang="en-US"/>
           </a:p>
@@ -459,7 +459,7 @@
             <a:fld id="{1D8BD707-D9CF-40AE-B4C6-C98DA3205C09}" type="datetimeFigureOut">
               <a:rPr lang="en-US" smtClean="0"/>
               <a:pPr/>
-              <a:t>7/3/2020</a:t>
+              <a:t>7/4/2020</a:t>
             </a:fld>
             <a:endParaRPr lang="en-US"/>
           </a:p>
@@ -636,7 +636,7 @@
             <a:fld id="{1D8BD707-D9CF-40AE-B4C6-C98DA3205C09}" type="datetimeFigureOut">
               <a:rPr lang="en-US" smtClean="0"/>
               <a:pPr/>
-              <a:t>7/3/2020</a:t>
+              <a:t>7/4/2020</a:t>
             </a:fld>
             <a:endParaRPr lang="en-US"/>
           </a:p>
@@ -803,7 +803,7 @@
             <a:fld id="{1D8BD707-D9CF-40AE-B4C6-C98DA3205C09}" type="datetimeFigureOut">
               <a:rPr lang="en-US" smtClean="0"/>
               <a:pPr/>
-              <a:t>7/3/2020</a:t>
+              <a:t>7/4/2020</a:t>
             </a:fld>
             <a:endParaRPr lang="en-US"/>
           </a:p>
@@ -1046,7 +1046,7 @@
             <a:fld id="{1D8BD707-D9CF-40AE-B4C6-C98DA3205C09}" type="datetimeFigureOut">
               <a:rPr lang="en-US" smtClean="0"/>
               <a:pPr/>
-              <a:t>7/3/2020</a:t>
+              <a:t>7/4/2020</a:t>
             </a:fld>
             <a:endParaRPr lang="en-US"/>
           </a:p>
@@ -1331,7 +1331,7 @@
             <a:fld id="{1D8BD707-D9CF-40AE-B4C6-C98DA3205C09}" type="datetimeFigureOut">
               <a:rPr lang="en-US" smtClean="0"/>
               <a:pPr/>
-              <a:t>7/3/2020</a:t>
+              <a:t>7/4/2020</a:t>
             </a:fld>
             <a:endParaRPr lang="en-US"/>
           </a:p>
@@ -1750,7 +1750,7 @@
             <a:fld id="{1D8BD707-D9CF-40AE-B4C6-C98DA3205C09}" type="datetimeFigureOut">
               <a:rPr lang="en-US" smtClean="0"/>
               <a:pPr/>
-              <a:t>7/3/2020</a:t>
+              <a:t>7/4/2020</a:t>
             </a:fld>
             <a:endParaRPr lang="en-US"/>
           </a:p>
@@ -1865,7 +1865,7 @@
             <a:fld id="{1D8BD707-D9CF-40AE-B4C6-C98DA3205C09}" type="datetimeFigureOut">
               <a:rPr lang="en-US" smtClean="0"/>
               <a:pPr/>
-              <a:t>7/3/2020</a:t>
+              <a:t>7/4/2020</a:t>
             </a:fld>
             <a:endParaRPr lang="en-US"/>
           </a:p>
@@ -1957,7 +1957,7 @@
             <a:fld id="{1D8BD707-D9CF-40AE-B4C6-C98DA3205C09}" type="datetimeFigureOut">
               <a:rPr lang="en-US" smtClean="0"/>
               <a:pPr/>
-              <a:t>7/3/2020</a:t>
+              <a:t>7/4/2020</a:t>
             </a:fld>
             <a:endParaRPr lang="en-US"/>
           </a:p>
@@ -2231,7 +2231,7 @@
             <a:fld id="{1D8BD707-D9CF-40AE-B4C6-C98DA3205C09}" type="datetimeFigureOut">
               <a:rPr lang="en-US" smtClean="0"/>
               <a:pPr/>
-              <a:t>7/3/2020</a:t>
+              <a:t>7/4/2020</a:t>
             </a:fld>
             <a:endParaRPr lang="en-US"/>
           </a:p>
@@ -2481,7 +2481,7 @@
             <a:fld id="{1D8BD707-D9CF-40AE-B4C6-C98DA3205C09}" type="datetimeFigureOut">
               <a:rPr lang="en-US" smtClean="0"/>
               <a:pPr/>
-              <a:t>7/3/2020</a:t>
+              <a:t>7/4/2020</a:t>
             </a:fld>
             <a:endParaRPr lang="en-US"/>
           </a:p>
@@ -2700,7 +2700,7 @@
             <a:fld id="{1D8BD707-D9CF-40AE-B4C6-C98DA3205C09}" type="datetimeFigureOut">
               <a:rPr lang="en-US" smtClean="0"/>
               <a:pPr/>
-              <a:t>7/3/2020</a:t>
+              <a:t>7/4/2020</a:t>
             </a:fld>
             <a:endParaRPr lang="en-US"/>
           </a:p>
@@ -3114,23 +3114,8 @@
                 </a:solidFill>
                 <a:latin typeface="Bahnschrift SemiLight Condensed" pitchFamily="34" charset="0"/>
               </a:rPr>
-              <a:t>Http/Https </a:t>
-            </a:r>
-            <a:r>
-              <a:rPr lang="en-US" sz="2400" dirty="0" smtClean="0">
-                <a:solidFill>
-                  <a:schemeClr val="bg1"/>
-                </a:solidFill>
-                <a:latin typeface="Bahnschrift SemiLight Condensed" pitchFamily="34" charset="0"/>
-              </a:rPr>
-              <a:t>Protocol</a:t>
-            </a:r>
-            <a:endParaRPr lang="en-US" sz="2400" dirty="0" smtClean="0">
-              <a:solidFill>
-                <a:schemeClr val="bg1"/>
-              </a:solidFill>
-              <a:latin typeface="Bahnschrift SemiLight Condensed" pitchFamily="34" charset="0"/>
-            </a:endParaRPr>
+              <a:t>Http/Https Protocol</a:t>
+            </a:r>
           </a:p>
         </p:txBody>
       </p:sp>
